--- a/Platform/EventsInstance/DXC Digital Roadmaps.pptx
+++ b/Platform/EventsInstance/DXC Digital Roadmaps.pptx
@@ -5,10 +5,10 @@
     <p:sldMasterId id="2147483648" r:id="rId1"/>
   </p:sldMasterIdLst>
   <p:notesMasterIdLst>
-    <p:notesMasterId r:id="rId9"/>
+    <p:notesMasterId r:id="rId10"/>
   </p:notesMasterIdLst>
   <p:handoutMasterIdLst>
-    <p:handoutMasterId r:id="rId10"/>
+    <p:handoutMasterId r:id="rId11"/>
   </p:handoutMasterIdLst>
   <p:sldIdLst>
     <p:sldId id="256" r:id="rId2"/>
@@ -17,7 +17,8 @@
     <p:sldId id="262" r:id="rId5"/>
     <p:sldId id="258" r:id="rId6"/>
     <p:sldId id="260" r:id="rId7"/>
-    <p:sldId id="263" r:id="rId8"/>
+    <p:sldId id="264" r:id="rId8"/>
+    <p:sldId id="263" r:id="rId9"/>
   </p:sldIdLst>
   <p:sldSz cx="14630400" cy="8229600"/>
   <p:notesSz cx="6858000" cy="9144000"/>
@@ -212,7 +213,7 @@
 <file path=ppt/revisionInfo.xml><?xml version="1.0" encoding="utf-8"?>
 <p1510:revInfo xmlns:a="http://schemas.openxmlformats.org/drawingml/2006/main" xmlns:r="http://schemas.openxmlformats.org/officeDocument/2006/relationships" xmlns:p1510="http://schemas.microsoft.com/office/powerpoint/2015/10/main">
   <p1510:revLst>
-    <p1510:client id="{725AC5D4-618A-4E5C-9ED2-AA53898DE964}" v="1047" dt="2018-07-20T10:34:08.549"/>
+    <p1510:client id="{725AC5D4-618A-4E5C-9ED2-AA53898DE964}" v="1931" dt="2018-07-27T13:55:09.058"/>
   </p1510:revLst>
 </p1510:revInfo>
 </file>
@@ -221,23 +222,69 @@
 <pc:chgInfo xmlns:a="http://schemas.openxmlformats.org/drawingml/2006/main" xmlns:r="http://schemas.openxmlformats.org/officeDocument/2006/relationships" xmlns:ac="http://schemas.microsoft.com/office/drawing/2013/main/command" xmlns:pc="http://schemas.microsoft.com/office/powerpoint/2013/main/command">
   <pc:docChgLst>
     <pc:chgData name="Stevens, David" userId="73fe415a-d21a-4898-bfab-0e75d37181d7" providerId="ADAL" clId="{725AC5D4-618A-4E5C-9ED2-AA53898DE964}"/>
-    <pc:docChg chg="custSel modSld">
-      <pc:chgData name="Stevens, David" userId="73fe415a-d21a-4898-bfab-0e75d37181d7" providerId="ADAL" clId="{725AC5D4-618A-4E5C-9ED2-AA53898DE964}" dt="2018-07-20T10:34:08.549" v="128" actId="20577"/>
+    <pc:docChg chg="custSel addSld modSld">
+      <pc:chgData name="Stevens, David" userId="73fe415a-d21a-4898-bfab-0e75d37181d7" providerId="ADAL" clId="{725AC5D4-618A-4E5C-9ED2-AA53898DE964}" dt="2018-07-27T13:55:09.058" v="161" actId="15"/>
       <pc:docMkLst>
         <pc:docMk/>
       </pc:docMkLst>
-      <pc:sldChg chg="modSp">
-        <pc:chgData name="Stevens, David" userId="73fe415a-d21a-4898-bfab-0e75d37181d7" providerId="ADAL" clId="{725AC5D4-618A-4E5C-9ED2-AA53898DE964}" dt="2018-07-20T10:34:08.549" v="128" actId="20577"/>
+      <pc:sldChg chg="addSp modSp">
+        <pc:chgData name="Stevens, David" userId="73fe415a-d21a-4898-bfab-0e75d37181d7" providerId="ADAL" clId="{725AC5D4-618A-4E5C-9ED2-AA53898DE964}" dt="2018-07-27T09:26:32.125" v="54" actId="6549"/>
         <pc:sldMkLst>
           <pc:docMk/>
-          <pc:sldMk cId="400779099" sldId="261"/>
+          <pc:sldMk cId="1689281532" sldId="258"/>
         </pc:sldMkLst>
         <pc:spChg chg="mod">
-          <ac:chgData name="Stevens, David" userId="73fe415a-d21a-4898-bfab-0e75d37181d7" providerId="ADAL" clId="{725AC5D4-618A-4E5C-9ED2-AA53898DE964}" dt="2018-07-20T10:34:08.549" v="128" actId="20577"/>
+          <ac:chgData name="Stevens, David" userId="73fe415a-d21a-4898-bfab-0e75d37181d7" providerId="ADAL" clId="{725AC5D4-618A-4E5C-9ED2-AA53898DE964}" dt="2018-07-27T09:26:32.125" v="54" actId="6549"/>
           <ac:spMkLst>
             <pc:docMk/>
-            <pc:sldMk cId="400779099" sldId="261"/>
+            <pc:sldMk cId="1689281532" sldId="258"/>
+            <ac:spMk id="4" creationId="{DDCCBD15-26F9-4888-BD51-E46036BCD41E}"/>
+          </ac:spMkLst>
+        </pc:spChg>
+        <pc:spChg chg="add mod">
+          <ac:chgData name="Stevens, David" userId="73fe415a-d21a-4898-bfab-0e75d37181d7" providerId="ADAL" clId="{725AC5D4-618A-4E5C-9ED2-AA53898DE964}" dt="2018-07-26T14:46:07.425" v="53" actId="1076"/>
+          <ac:spMkLst>
+            <pc:docMk/>
+            <pc:sldMk cId="1689281532" sldId="258"/>
+            <ac:spMk id="6" creationId="{8D87C333-7F14-46C4-8E39-CDA0B7183224}"/>
+          </ac:spMkLst>
+        </pc:spChg>
+      </pc:sldChg>
+      <pc:sldChg chg="modSp">
+        <pc:chgData name="Stevens, David" userId="73fe415a-d21a-4898-bfab-0e75d37181d7" providerId="ADAL" clId="{725AC5D4-618A-4E5C-9ED2-AA53898DE964}" dt="2018-07-27T13:54:02.624" v="55"/>
+        <pc:sldMkLst>
+          <pc:docMk/>
+          <pc:sldMk cId="4057229985" sldId="262"/>
+        </pc:sldMkLst>
+        <pc:spChg chg="mod">
+          <ac:chgData name="Stevens, David" userId="73fe415a-d21a-4898-bfab-0e75d37181d7" providerId="ADAL" clId="{725AC5D4-618A-4E5C-9ED2-AA53898DE964}" dt="2018-07-27T13:54:02.624" v="55"/>
+          <ac:spMkLst>
+            <pc:docMk/>
+            <pc:sldMk cId="4057229985" sldId="262"/>
             <ac:spMk id="5" creationId="{879E3FAB-7F89-4FED-986A-71456784B2B7}"/>
+          </ac:spMkLst>
+        </pc:spChg>
+      </pc:sldChg>
+      <pc:sldChg chg="modSp add">
+        <pc:chgData name="Stevens, David" userId="73fe415a-d21a-4898-bfab-0e75d37181d7" providerId="ADAL" clId="{725AC5D4-618A-4E5C-9ED2-AA53898DE964}" dt="2018-07-27T13:55:09.058" v="161" actId="15"/>
+        <pc:sldMkLst>
+          <pc:docMk/>
+          <pc:sldMk cId="1959313582" sldId="264"/>
+        </pc:sldMkLst>
+        <pc:spChg chg="mod">
+          <ac:chgData name="Stevens, David" userId="73fe415a-d21a-4898-bfab-0e75d37181d7" providerId="ADAL" clId="{725AC5D4-618A-4E5C-9ED2-AA53898DE964}" dt="2018-07-27T13:54:18.387" v="84" actId="5793"/>
+          <ac:spMkLst>
+            <pc:docMk/>
+            <pc:sldMk cId="1959313582" sldId="264"/>
+            <ac:spMk id="2" creationId="{4149E66F-702B-422B-B31F-1F8C9B6DEF45}"/>
+          </ac:spMkLst>
+        </pc:spChg>
+        <pc:spChg chg="mod">
+          <ac:chgData name="Stevens, David" userId="73fe415a-d21a-4898-bfab-0e75d37181d7" providerId="ADAL" clId="{725AC5D4-618A-4E5C-9ED2-AA53898DE964}" dt="2018-07-27T13:55:09.058" v="161" actId="15"/>
+          <ac:spMkLst>
+            <pc:docMk/>
+            <pc:sldMk cId="1959313582" sldId="264"/>
+            <ac:spMk id="3" creationId="{4CD146E3-3C6B-4D8C-BE61-55B01A3F6078}"/>
           </ac:spMkLst>
         </pc:spChg>
       </pc:sldChg>
@@ -334,7 +381,7 @@
                 <a:latin typeface="Arial"/>
                 <a:cs typeface="Arial"/>
               </a:rPr>
-              <a:t>7/20/2018</a:t>
+              <a:t>7/27/2018</a:t>
             </a:fld>
             <a:endParaRPr lang="en-US">
               <a:latin typeface="Arial"/>
@@ -519,7 +566,7 @@
             <a:fld id="{73B26A0F-F4D6-9B4F-A87B-D8948CDE3BB4}" type="datetimeFigureOut">
               <a:rPr lang="en-US" smtClean="0"/>
               <a:pPr/>
-              <a:t>7/20/2018</a:t>
+              <a:t>7/27/2018</a:t>
             </a:fld>
             <a:endParaRPr lang="en-US"/>
           </a:p>
@@ -2171,7 +2218,7 @@
                   <a:spcPts val="0"/>
                 </a:spcBef>
               </a:pPr>
-              <a:t>July 20, 2018</a:t>
+              <a:t>July 27, 2018</a:t>
             </a:fld>
             <a:endParaRPr lang="en-US" sz="1400" b="0" dirty="0">
               <a:solidFill>
@@ -4156,7 +4203,7 @@
                   <a:spcPct val="50000"/>
                 </a:spcBef>
               </a:pPr>
-              <a:t>July 20, 2018</a:t>
+              <a:t>July 27, 2018</a:t>
             </a:fld>
             <a:endParaRPr lang="en-US" sz="1100" b="0" dirty="0">
               <a:solidFill>
@@ -5921,7 +5968,7 @@
                   <a:spcPct val="50000"/>
                 </a:spcBef>
               </a:pPr>
-              <a:t>July 20, 2018</a:t>
+              <a:t>July 27, 2018</a:t>
             </a:fld>
             <a:endParaRPr lang="en-US" sz="1100" b="0" dirty="0">
               <a:solidFill>
@@ -7251,7 +7298,7 @@
                   <a:spcPts val="0"/>
                 </a:spcBef>
               </a:pPr>
-              <a:t>July 20, 2018</a:t>
+              <a:t>July 27, 2018</a:t>
             </a:fld>
             <a:endParaRPr lang="en-US" sz="1100" b="0" dirty="0">
               <a:solidFill>
@@ -8843,7 +8890,7 @@
                   <a:spcPct val="50000"/>
                 </a:spcBef>
               </a:pPr>
-              <a:t>July 20, 2018</a:t>
+              <a:t>July 27, 2018</a:t>
             </a:fld>
             <a:endParaRPr lang="en-US" sz="1100" b="0" dirty="0">
               <a:solidFill>
@@ -10207,7 +10254,7 @@
                   <a:spcPts val="0"/>
                 </a:spcBef>
               </a:pPr>
-              <a:t>July 20, 2018</a:t>
+              <a:t>July 27, 2018</a:t>
             </a:fld>
             <a:endParaRPr lang="en-US" sz="1100" b="0" dirty="0">
               <a:solidFill>
@@ -11887,7 +11934,7 @@
                   <a:spcPts val="0"/>
                 </a:spcBef>
               </a:pPr>
-              <a:t>July 20, 2018</a:t>
+              <a:t>July 27, 2018</a:t>
             </a:fld>
             <a:endParaRPr lang="en-US" sz="1400" b="0" dirty="0">
               <a:solidFill>
@@ -13059,7 +13106,7 @@
                   <a:spcPct val="50000"/>
                 </a:spcBef>
               </a:pPr>
-              <a:t>July 20, 2018</a:t>
+              <a:t>July 27, 2018</a:t>
             </a:fld>
             <a:endParaRPr lang="en-US" sz="1100" b="0" dirty="0">
               <a:solidFill>
@@ -17298,7 +17345,7 @@
                   <a:spcPts val="0"/>
                 </a:spcBef>
               </a:pPr>
-              <a:t>July 20, 2018</a:t>
+              <a:t>July 27, 2018</a:t>
             </a:fld>
             <a:endParaRPr lang="en-US" sz="1400" b="0" dirty="0">
               <a:solidFill>
@@ -18697,7 +18744,7 @@
                   <a:spcPts val="0"/>
                 </a:spcBef>
               </a:pPr>
-              <a:t>July 20, 2018</a:t>
+              <a:t>July 27, 2018</a:t>
             </a:fld>
             <a:endParaRPr lang="en-US" sz="1400" b="0" dirty="0">
               <a:solidFill>
@@ -20266,7 +20313,7 @@
                   <a:spcPts val="0"/>
                 </a:spcBef>
               </a:pPr>
-              <a:t>July 20, 2018</a:t>
+              <a:t>July 27, 2018</a:t>
             </a:fld>
             <a:endParaRPr lang="en-US" sz="1400" b="0" dirty="0">
               <a:solidFill>
@@ -21696,7 +21743,7 @@
                   <a:spcPts val="0"/>
                 </a:spcBef>
               </a:pPr>
-              <a:t>July 20, 2018</a:t>
+              <a:t>July 27, 2018</a:t>
             </a:fld>
             <a:endParaRPr lang="en-US" sz="1400" b="0" dirty="0">
               <a:solidFill>
@@ -23118,7 +23165,7 @@
                   <a:spcPts val="0"/>
                 </a:spcBef>
               </a:pPr>
-              <a:t>July 20, 2018</a:t>
+              <a:t>July 27, 2018</a:t>
             </a:fld>
             <a:endParaRPr lang="en-US" sz="1400" b="0" dirty="0">
               <a:solidFill>
@@ -24684,7 +24731,7 @@
                   <a:spcPts val="0"/>
                 </a:spcBef>
               </a:pPr>
-              <a:t>July 20, 2018</a:t>
+              <a:t>July 27, 2018</a:t>
             </a:fld>
             <a:endParaRPr lang="en-US" sz="1100" b="0" dirty="0">
               <a:solidFill>
@@ -25322,51 +25369,6 @@
               <a:t>David Stevens</a:t>
             </a:r>
           </a:p>
-          <a:p>
-            <a:r>
-              <a:rPr lang="en-US" dirty="0"/>
-              <a:t>Ron Brown</a:t>
-            </a:r>
-          </a:p>
-        </p:txBody>
-      </p:sp>
-      <p:sp>
-        <p:nvSpPr>
-          <p:cNvPr id="2" name="TextBox 1">
-            <a:extLst>
-              <a:ext uri="{FF2B5EF4-FFF2-40B4-BE49-F238E27FC236}">
-                <a16:creationId xmlns:a16="http://schemas.microsoft.com/office/drawing/2014/main" id="{57295D92-E409-4C5E-9ADA-A05CF4F3B1F3}"/>
-              </a:ext>
-            </a:extLst>
-          </p:cNvPr>
-          <p:cNvSpPr txBox="1"/>
-          <p:nvPr/>
-        </p:nvSpPr>
-        <p:spPr>
-          <a:xfrm>
-            <a:off x="3566786" y="1652475"/>
-            <a:ext cx="7177414" cy="535531"/>
-          </a:xfrm>
-          <a:prstGeom prst="rect">
-            <a:avLst/>
-          </a:prstGeom>
-          <a:noFill/>
-        </p:spPr>
-        <p:txBody>
-          <a:bodyPr wrap="none" rtlCol="0">
-            <a:spAutoFit/>
-          </a:bodyPr>
-          <a:lstStyle/>
-          <a:p>
-            <a:r>
-              <a:rPr lang="en-GB" dirty="0">
-                <a:solidFill>
-                  <a:srgbClr val="FF0000"/>
-                </a:solidFill>
-              </a:rPr>
-              <a:t>Or do we call it Digital Innovation Agenda?</a:t>
-            </a:r>
-          </a:p>
         </p:txBody>
       </p:sp>
     </p:spTree>
@@ -25455,7 +25457,12 @@
             <p:ph idx="1"/>
           </p:nvPr>
         </p:nvSpPr>
-        <p:spPr/>
+        <p:spPr>
+          <a:xfrm>
+            <a:off x="685800" y="2057399"/>
+            <a:ext cx="13258800" cy="5121275"/>
+          </a:xfrm>
+        </p:spPr>
         <p:txBody>
           <a:bodyPr/>
           <a:lstStyle/>
@@ -25480,13 +25487,33 @@
             </a:r>
           </a:p>
           <a:p>
+            <a:pPr marL="342900" lvl="1" indent="-342900">
+              <a:buFont typeface="Arial" panose="020B0604020202020204" pitchFamily="34" charset="0"/>
+              <a:buChar char="•"/>
+            </a:pPr>
+            <a:r>
+              <a:rPr lang="en-GB" dirty="0"/>
+              <a:t>DXC retain the ability to review and analyse digital roadmaps</a:t>
+            </a:r>
+          </a:p>
+          <a:p>
+            <a:pPr marL="342900" lvl="1" indent="-342900">
+              <a:buFont typeface="Arial" panose="020B0604020202020204" pitchFamily="34" charset="0"/>
+              <a:buChar char="•"/>
+            </a:pPr>
+            <a:r>
+              <a:rPr lang="en-GB" dirty="0"/>
+              <a:t>Option for clients to continue usage after the event (extend trial account or private OS instance of DE)</a:t>
+            </a:r>
+          </a:p>
+          <a:p>
             <a:pPr marL="342900" indent="-342900">
               <a:buFont typeface="Arial" panose="020B0604020202020204" pitchFamily="34" charset="0"/>
               <a:buChar char="•"/>
             </a:pPr>
             <a:r>
               <a:rPr lang="en-GB" dirty="0"/>
-              <a:t>Allow workshops to be run at external events </a:t>
+              <a:t>Allow workshops to be run at internal and external events</a:t>
             </a:r>
           </a:p>
           <a:p>
@@ -25660,13 +25687,6 @@
               <a:buFont typeface="Arial" panose="020B0604020202020204" pitchFamily="34" charset="0"/>
               <a:buChar char="•"/>
             </a:pPr>
-            <a:endParaRPr lang="en-GB" dirty="0"/>
-          </a:p>
-          <a:p>
-            <a:pPr marL="342900" indent="-342900">
-              <a:buFont typeface="Arial" panose="020B0604020202020204" pitchFamily="34" charset="0"/>
-              <a:buChar char="•"/>
-            </a:pPr>
             <a:r>
               <a:rPr lang="en-GB" dirty="0"/>
               <a:t>10-15 people per session</a:t>
@@ -25686,7 +25706,17 @@
             </a:pPr>
             <a:r>
               <a:rPr lang="en-GB" dirty="0"/>
-              <a:t>1 tablet or small PC per person</a:t>
+              <a:t>1 10”+ tablet or low powered PC per person</a:t>
+            </a:r>
+          </a:p>
+          <a:p>
+            <a:pPr marL="342900" lvl="1" indent="-342900">
+              <a:buFont typeface="Arial" panose="020B0604020202020204" pitchFamily="34" charset="0"/>
+              <a:buChar char="•"/>
+            </a:pPr>
+            <a:r>
+              <a:rPr lang="en-GB" dirty="0"/>
+              <a:t>Option for users to use their own devices</a:t>
             </a:r>
           </a:p>
           <a:p>
@@ -25845,7 +25875,7 @@
             </a:pPr>
             <a:r>
               <a:rPr lang="en-GB" dirty="0"/>
-              <a:t>Offer on site sign-on opportunities for planned sessions throughout the event </a:t>
+              <a:t>Offer on site sign-on opportunities for planned sessions throughout the events </a:t>
             </a:r>
             <a:br>
               <a:rPr lang="en-GB" dirty="0"/>
@@ -25863,30 +25893,6 @@
             <a:r>
               <a:rPr lang="en-GB" dirty="0"/>
               <a:t>Also gives the opportunity to prepare “non-dxc explorer accounts”</a:t>
-            </a:r>
-          </a:p>
-          <a:p>
-            <a:pPr marL="342900" indent="-342900">
-              <a:buFont typeface="Arial" panose="020B0604020202020204" pitchFamily="34" charset="0"/>
-              <a:buChar char="•"/>
-            </a:pPr>
-            <a:r>
-              <a:rPr lang="en-GB" dirty="0"/>
-              <a:t>Ensure (DXC BVF aligned) industry templates are available to quick start agendas</a:t>
-            </a:r>
-          </a:p>
-          <a:p>
-            <a:pPr marL="342900" indent="-342900">
-              <a:buFont typeface="Arial" panose="020B0604020202020204" pitchFamily="34" charset="0"/>
-              <a:buChar char="•"/>
-            </a:pPr>
-            <a:r>
-              <a:rPr lang="en-GB" dirty="0"/>
-              <a:t>Ensure industry trends are on point </a:t>
-            </a:r>
-            <a:r>
-              <a:rPr lang="en-GB" b="0" dirty="0"/>
-              <a:t>(industry KM’s already on board to review current content)</a:t>
             </a:r>
           </a:p>
           <a:p>
@@ -25984,7 +25990,7 @@
           <a:p>
             <a:r>
               <a:rPr lang="en-GB" dirty="0"/>
-              <a:t>Workshop Agenda (1 hour sessions)</a:t>
+              <a:t>Workshop Agenda (1 hour session)</a:t>
             </a:r>
           </a:p>
         </p:txBody>
@@ -26016,7 +26022,7 @@
             </a:pPr>
             <a:r>
               <a:rPr lang="en-GB" dirty="0"/>
-              <a:t>DXC Digital Introduction  (Ron) – 3 slides</a:t>
+              <a:t>DXC Digital Introduction – 3 slides</a:t>
             </a:r>
           </a:p>
           <a:p>
@@ -26026,7 +26032,7 @@
             </a:pPr>
             <a:r>
               <a:rPr lang="en-GB" dirty="0"/>
-              <a:t>Introduction to Digital Explorer (David) – 2 slides</a:t>
+              <a:t>Introduction to Digital Explorer  – 1 slide</a:t>
             </a:r>
           </a:p>
           <a:p>
@@ -26036,7 +26042,7 @@
             </a:pPr>
             <a:r>
               <a:rPr lang="en-GB" dirty="0"/>
-              <a:t>Quick start on your digital roadmap (leads into hands on session) (David &amp; Ron) – 1 slide</a:t>
+              <a:t>Quick start on your digital roadmap (leads into hands on session) – 1 slide</a:t>
             </a:r>
           </a:p>
           <a:p>
@@ -26056,7 +26062,7 @@
             </a:pPr>
             <a:r>
               <a:rPr lang="en-GB" dirty="0"/>
-              <a:t>Your takeaways (David) – 1 slide</a:t>
+              <a:t>Your takeaways – 1 slide</a:t>
             </a:r>
           </a:p>
           <a:p>
@@ -26093,10 +26099,10 @@
       </p:sp>
       <p:sp>
         <p:nvSpPr>
-          <p:cNvPr id="2" name="TextBox 1">
+          <p:cNvPr id="6" name="TextBox 5">
             <a:extLst>
               <a:ext uri="{FF2B5EF4-FFF2-40B4-BE49-F238E27FC236}">
-                <a16:creationId xmlns:a16="http://schemas.microsoft.com/office/drawing/2014/main" id="{25ADE1D4-716B-4EB0-B060-98607B32FBDE}"/>
+                <a16:creationId xmlns:a16="http://schemas.microsoft.com/office/drawing/2014/main" id="{8D87C333-7F14-46C4-8E39-CDA0B7183224}"/>
               </a:ext>
             </a:extLst>
           </p:cNvPr>
@@ -26105,8 +26111,8 @@
         </p:nvSpPr>
         <p:spPr>
           <a:xfrm>
-            <a:off x="8755360" y="4402832"/>
-            <a:ext cx="5442516" cy="1421928"/>
+            <a:off x="9475440" y="1346435"/>
+            <a:ext cx="4547848" cy="1421928"/>
           </a:xfrm>
           <a:prstGeom prst="rect">
             <a:avLst/>
@@ -26119,38 +26125,33 @@
           </a:bodyPr>
           <a:lstStyle/>
           <a:p>
+            <a:pPr algn="r"/>
             <a:r>
-              <a:rPr lang="en-GB" b="1" dirty="0">
+              <a:rPr lang="en-GB" dirty="0">
                 <a:solidFill>
                   <a:srgbClr val="FF0000"/>
                 </a:solidFill>
               </a:rPr>
-              <a:t>Proposal leverage existing</a:t>
+              <a:t>Leverage existing material</a:t>
             </a:r>
           </a:p>
           <a:p>
+            <a:pPr algn="r"/>
+            <a:endParaRPr lang="en-GB" dirty="0">
+              <a:solidFill>
+                <a:srgbClr val="FF0000"/>
+              </a:solidFill>
+            </a:endParaRPr>
+          </a:p>
+          <a:p>
+            <a:pPr algn="r"/>
             <a:r>
-              <a:rPr lang="en-GB" b="1" dirty="0">
+              <a:rPr lang="en-GB" dirty="0">
                 <a:solidFill>
                   <a:srgbClr val="FF0000"/>
                 </a:solidFill>
               </a:rPr>
-              <a:t>framing material</a:t>
-            </a:r>
-            <a:br>
-              <a:rPr lang="en-GB" b="1" dirty="0">
-                <a:solidFill>
-                  <a:srgbClr val="FF0000"/>
-                </a:solidFill>
-              </a:rPr>
-            </a:br>
-            <a:r>
-              <a:rPr lang="en-GB" b="1" dirty="0">
-                <a:solidFill>
-                  <a:srgbClr val="FF0000"/>
-                </a:solidFill>
-              </a:rPr>
-              <a:t> (DT program and DE content)</a:t>
+              <a:t>DT program and DE decks</a:t>
             </a:r>
           </a:p>
         </p:txBody>
@@ -26282,7 +26283,7 @@
             </a:pPr>
             <a:r>
               <a:rPr lang="en-GB" dirty="0"/>
-              <a:t>Ron Brown</a:t>
+              <a:t>Lead from DT program team</a:t>
             </a:r>
           </a:p>
           <a:p>
@@ -26292,14 +26293,7 @@
             </a:pPr>
             <a:r>
               <a:rPr lang="en-GB" dirty="0"/>
-              <a:t>Plus target one lead for each region to onboard</a:t>
-            </a:r>
-          </a:p>
-          <a:p>
-            <a:pPr marL="571500" lvl="2" indent="-342900"/>
-            <a:r>
-              <a:rPr lang="en-GB" dirty="0"/>
-              <a:t>(e.g. Axel, Mark, Patrick and Ago)</a:t>
+              <a:t>1 lead CT per region </a:t>
             </a:r>
           </a:p>
           <a:p>
@@ -26307,6 +26301,17 @@
               <a:buFont typeface="Arial" panose="020B0604020202020204" pitchFamily="34" charset="0"/>
               <a:buChar char="•"/>
             </a:pPr>
+            <a:endParaRPr lang="en-GB" dirty="0"/>
+          </a:p>
+          <a:p>
+            <a:pPr marL="342900" lvl="1" indent="-342900">
+              <a:buFont typeface="Arial" panose="020B0604020202020204" pitchFamily="34" charset="0"/>
+              <a:buChar char="•"/>
+            </a:pPr>
+            <a:endParaRPr lang="en-GB" dirty="0"/>
+          </a:p>
+          <a:p>
+            <a:pPr lvl="1"/>
             <a:endParaRPr lang="en-GB" dirty="0"/>
           </a:p>
           <a:p>
@@ -26323,7 +26328,7 @@
             <a:pPr marL="571500" lvl="2" indent="-342900"/>
             <a:r>
               <a:rPr lang="en-GB" dirty="0"/>
-              <a:t>Regional Industry CT’s</a:t>
+              <a:t>Regional Industry CT’s (2)</a:t>
             </a:r>
           </a:p>
           <a:p>
@@ -26339,6 +26344,339 @@
               <a:buChar char="•"/>
             </a:pPr>
             <a:endParaRPr lang="en-GB" dirty="0"/>
+          </a:p>
+        </p:txBody>
+      </p:sp>
+      <p:graphicFrame>
+        <p:nvGraphicFramePr>
+          <p:cNvPr id="2" name="Table 1">
+            <a:extLst>
+              <a:ext uri="{FF2B5EF4-FFF2-40B4-BE49-F238E27FC236}">
+                <a16:creationId xmlns:a16="http://schemas.microsoft.com/office/drawing/2014/main" id="{DD1C22CB-D364-43B0-A6D7-9A5A07293E87}"/>
+              </a:ext>
+            </a:extLst>
+          </p:cNvPr>
+          <p:cNvGraphicFramePr>
+            <a:graphicFrameLocks noGrp="1"/>
+          </p:cNvGraphicFramePr>
+          <p:nvPr>
+            <p:extLst>
+              <p:ext uri="{D42A27DB-BD31-4B8C-83A1-F6EECF244321}">
+                <p14:modId xmlns:p14="http://schemas.microsoft.com/office/powerpoint/2010/main" val="4156154715"/>
+              </p:ext>
+            </p:extLst>
+          </p:nvPr>
+        </p:nvGraphicFramePr>
+        <p:xfrm>
+          <a:off x="868151" y="4483510"/>
+          <a:ext cx="12894098" cy="741680"/>
+        </p:xfrm>
+        <a:graphic>
+          <a:graphicData uri="http://schemas.openxmlformats.org/drawingml/2006/table">
+            <a:tbl>
+              <a:tblPr firstRow="1" bandRow="1">
+                <a:tableStyleId>{45BD5076-5073-49C7-9E08-65982F3C9860}</a:tableStyleId>
+              </a:tblPr>
+              <a:tblGrid>
+                <a:gridCol w="1842014">
+                  <a:extLst>
+                    <a:ext uri="{9D8B030D-6E8A-4147-A177-3AD203B41FA5}">
+                      <a16:colId xmlns:a16="http://schemas.microsoft.com/office/drawing/2014/main" val="2197277825"/>
+                    </a:ext>
+                  </a:extLst>
+                </a:gridCol>
+                <a:gridCol w="1842014">
+                  <a:extLst>
+                    <a:ext uri="{9D8B030D-6E8A-4147-A177-3AD203B41FA5}">
+                      <a16:colId xmlns:a16="http://schemas.microsoft.com/office/drawing/2014/main" val="3126860392"/>
+                    </a:ext>
+                  </a:extLst>
+                </a:gridCol>
+                <a:gridCol w="1842014">
+                  <a:extLst>
+                    <a:ext uri="{9D8B030D-6E8A-4147-A177-3AD203B41FA5}">
+                      <a16:colId xmlns:a16="http://schemas.microsoft.com/office/drawing/2014/main" val="1077068312"/>
+                    </a:ext>
+                  </a:extLst>
+                </a:gridCol>
+                <a:gridCol w="1842014">
+                  <a:extLst>
+                    <a:ext uri="{9D8B030D-6E8A-4147-A177-3AD203B41FA5}">
+                      <a16:colId xmlns:a16="http://schemas.microsoft.com/office/drawing/2014/main" val="3817336273"/>
+                    </a:ext>
+                  </a:extLst>
+                </a:gridCol>
+                <a:gridCol w="1842014">
+                  <a:extLst>
+                    <a:ext uri="{9D8B030D-6E8A-4147-A177-3AD203B41FA5}">
+                      <a16:colId xmlns:a16="http://schemas.microsoft.com/office/drawing/2014/main" val="1192902998"/>
+                    </a:ext>
+                  </a:extLst>
+                </a:gridCol>
+                <a:gridCol w="1842014">
+                  <a:extLst>
+                    <a:ext uri="{9D8B030D-6E8A-4147-A177-3AD203B41FA5}">
+                      <a16:colId xmlns:a16="http://schemas.microsoft.com/office/drawing/2014/main" val="932036919"/>
+                    </a:ext>
+                  </a:extLst>
+                </a:gridCol>
+                <a:gridCol w="1842014">
+                  <a:extLst>
+                    <a:ext uri="{9D8B030D-6E8A-4147-A177-3AD203B41FA5}">
+                      <a16:colId xmlns:a16="http://schemas.microsoft.com/office/drawing/2014/main" val="2650921748"/>
+                    </a:ext>
+                  </a:extLst>
+                </a:gridCol>
+              </a:tblGrid>
+              <a:tr h="370840">
+                <a:tc>
+                  <a:txBody>
+                    <a:bodyPr/>
+                    <a:lstStyle/>
+                    <a:p>
+                      <a:endParaRPr lang="en-GB" dirty="0"/>
+                    </a:p>
+                  </a:txBody>
+                  <a:tcPr/>
+                </a:tc>
+                <a:tc>
+                  <a:txBody>
+                    <a:bodyPr/>
+                    <a:lstStyle/>
+                    <a:p>
+                      <a:r>
+                        <a:rPr lang="en-GB" dirty="0"/>
+                        <a:t>Asia</a:t>
+                      </a:r>
+                    </a:p>
+                  </a:txBody>
+                  <a:tcPr/>
+                </a:tc>
+                <a:tc>
+                  <a:txBody>
+                    <a:bodyPr/>
+                    <a:lstStyle/>
+                    <a:p>
+                      <a:r>
+                        <a:rPr lang="en-GB" dirty="0"/>
+                        <a:t>AMS</a:t>
+                      </a:r>
+                    </a:p>
+                  </a:txBody>
+                  <a:tcPr/>
+                </a:tc>
+                <a:tc>
+                  <a:txBody>
+                    <a:bodyPr/>
+                    <a:lstStyle/>
+                    <a:p>
+                      <a:r>
+                        <a:rPr lang="en-GB" dirty="0"/>
+                        <a:t>ANZ</a:t>
+                      </a:r>
+                    </a:p>
+                  </a:txBody>
+                  <a:tcPr/>
+                </a:tc>
+                <a:tc>
+                  <a:txBody>
+                    <a:bodyPr/>
+                    <a:lstStyle/>
+                    <a:p>
+                      <a:r>
+                        <a:rPr lang="en-GB" dirty="0"/>
+                        <a:t>NCE</a:t>
+                      </a:r>
+                    </a:p>
+                  </a:txBody>
+                  <a:tcPr/>
+                </a:tc>
+                <a:tc>
+                  <a:txBody>
+                    <a:bodyPr/>
+                    <a:lstStyle/>
+                    <a:p>
+                      <a:r>
+                        <a:rPr lang="en-GB" dirty="0"/>
+                        <a:t>SE</a:t>
+                      </a:r>
+                    </a:p>
+                  </a:txBody>
+                  <a:tcPr/>
+                </a:tc>
+                <a:tc>
+                  <a:txBody>
+                    <a:bodyPr/>
+                    <a:lstStyle/>
+                    <a:p>
+                      <a:r>
+                        <a:rPr lang="en-GB" dirty="0"/>
+                        <a:t>UKIIMEA</a:t>
+                      </a:r>
+                    </a:p>
+                  </a:txBody>
+                  <a:tcPr/>
+                </a:tc>
+                <a:extLst>
+                  <a:ext uri="{0D108BD9-81ED-4DB2-BD59-A6C34878D82A}">
+                    <a16:rowId xmlns:a16="http://schemas.microsoft.com/office/drawing/2014/main" val="1624485436"/>
+                  </a:ext>
+                </a:extLst>
+              </a:tr>
+              <a:tr h="370840">
+                <a:tc>
+                  <a:txBody>
+                    <a:bodyPr/>
+                    <a:lstStyle/>
+                    <a:p>
+                      <a:r>
+                        <a:rPr lang="en-GB" dirty="0"/>
+                        <a:t>Regional Lead</a:t>
+                      </a:r>
+                    </a:p>
+                  </a:txBody>
+                  <a:tcPr/>
+                </a:tc>
+                <a:tc>
+                  <a:txBody>
+                    <a:bodyPr/>
+                    <a:lstStyle/>
+                    <a:p>
+                      <a:r>
+                        <a:rPr lang="en-GB" dirty="0"/>
+                        <a:t>TBC</a:t>
+                      </a:r>
+                    </a:p>
+                  </a:txBody>
+                  <a:tcPr/>
+                </a:tc>
+                <a:tc>
+                  <a:txBody>
+                    <a:bodyPr/>
+                    <a:lstStyle/>
+                    <a:p>
+                      <a:r>
+                        <a:rPr lang="en-GB" dirty="0"/>
+                        <a:t>TBC</a:t>
+                      </a:r>
+                    </a:p>
+                  </a:txBody>
+                  <a:tcPr/>
+                </a:tc>
+                <a:tc>
+                  <a:txBody>
+                    <a:bodyPr/>
+                    <a:lstStyle/>
+                    <a:p>
+                      <a:r>
+                        <a:rPr lang="en-GB" dirty="0"/>
+                        <a:t>Mark Nebreda</a:t>
+                      </a:r>
+                    </a:p>
+                  </a:txBody>
+                  <a:tcPr/>
+                </a:tc>
+                <a:tc>
+                  <a:txBody>
+                    <a:bodyPr/>
+                    <a:lstStyle/>
+                    <a:p>
+                      <a:r>
+                        <a:rPr lang="en-GB" dirty="0"/>
+                        <a:t>Axel Szymanski</a:t>
+                      </a:r>
+                    </a:p>
+                  </a:txBody>
+                  <a:tcPr/>
+                </a:tc>
+                <a:tc>
+                  <a:txBody>
+                    <a:bodyPr/>
+                    <a:lstStyle/>
+                    <a:p>
+                      <a:r>
+                        <a:rPr lang="en-GB" dirty="0"/>
+                        <a:t>TBC</a:t>
+                      </a:r>
+                    </a:p>
+                  </a:txBody>
+                  <a:tcPr/>
+                </a:tc>
+                <a:tc>
+                  <a:txBody>
+                    <a:bodyPr/>
+                    <a:lstStyle/>
+                    <a:p>
+                      <a:r>
+                        <a:rPr lang="en-GB" dirty="0"/>
+                        <a:t>Ron Brown</a:t>
+                      </a:r>
+                    </a:p>
+                  </a:txBody>
+                  <a:tcPr/>
+                </a:tc>
+                <a:extLst>
+                  <a:ext uri="{0D108BD9-81ED-4DB2-BD59-A6C34878D82A}">
+                    <a16:rowId xmlns:a16="http://schemas.microsoft.com/office/drawing/2014/main" val="644044406"/>
+                  </a:ext>
+                </a:extLst>
+              </a:tr>
+            </a:tbl>
+          </a:graphicData>
+        </a:graphic>
+      </p:graphicFrame>
+      <p:sp>
+        <p:nvSpPr>
+          <p:cNvPr id="6" name="TextBox 5">
+            <a:extLst>
+              <a:ext uri="{FF2B5EF4-FFF2-40B4-BE49-F238E27FC236}">
+                <a16:creationId xmlns:a16="http://schemas.microsoft.com/office/drawing/2014/main" id="{E9919CD4-2E32-4790-AD32-DE88B245BD6A}"/>
+              </a:ext>
+            </a:extLst>
+          </p:cNvPr>
+          <p:cNvSpPr txBox="1"/>
+          <p:nvPr/>
+        </p:nvSpPr>
+        <p:spPr>
+          <a:xfrm>
+            <a:off x="9084071" y="339962"/>
+            <a:ext cx="4902304" cy="978729"/>
+          </a:xfrm>
+          <a:prstGeom prst="rect">
+            <a:avLst/>
+          </a:prstGeom>
+          <a:noFill/>
+        </p:spPr>
+        <p:txBody>
+          <a:bodyPr wrap="none" rtlCol="0">
+            <a:spAutoFit/>
+          </a:bodyPr>
+          <a:lstStyle/>
+          <a:p>
+            <a:pPr algn="r"/>
+            <a:r>
+              <a:rPr lang="en-GB" dirty="0">
+                <a:solidFill>
+                  <a:srgbClr val="FF0000"/>
+                </a:solidFill>
+              </a:rPr>
+              <a:t>Note industry experts do not </a:t>
+            </a:r>
+            <a:br>
+              <a:rPr lang="en-GB" dirty="0">
+                <a:solidFill>
+                  <a:srgbClr val="FF0000"/>
+                </a:solidFill>
+              </a:rPr>
+            </a:br>
+            <a:r>
+              <a:rPr lang="en-GB" dirty="0">
+                <a:solidFill>
+                  <a:srgbClr val="FF0000"/>
+                </a:solidFill>
+              </a:rPr>
+              <a:t>need to be from the CT’s</a:t>
+            </a:r>
           </a:p>
         </p:txBody>
       </p:sp>
@@ -26368,6 +26706,142 @@
 </file>
 
 <file path=ppt/slides/slide7.xml><?xml version="1.0" encoding="utf-8"?>
+<p:sld xmlns:a="http://schemas.openxmlformats.org/drawingml/2006/main" xmlns:r="http://schemas.openxmlformats.org/officeDocument/2006/relationships" xmlns:p="http://schemas.openxmlformats.org/presentationml/2006/main">
+  <p:cSld>
+    <p:spTree>
+      <p:nvGrpSpPr>
+        <p:cNvPr id="1" name=""/>
+        <p:cNvGrpSpPr/>
+        <p:nvPr/>
+      </p:nvGrpSpPr>
+      <p:grpSpPr>
+        <a:xfrm>
+          <a:off x="0" y="0"/>
+          <a:ext cx="0" cy="0"/>
+          <a:chOff x="0" y="0"/>
+          <a:chExt cx="0" cy="0"/>
+        </a:xfrm>
+      </p:grpSpPr>
+      <p:sp>
+        <p:nvSpPr>
+          <p:cNvPr id="2" name="Title 1">
+            <a:extLst>
+              <a:ext uri="{FF2B5EF4-FFF2-40B4-BE49-F238E27FC236}">
+                <a16:creationId xmlns:a16="http://schemas.microsoft.com/office/drawing/2014/main" id="{4149E66F-702B-422B-B31F-1F8C9B6DEF45}"/>
+              </a:ext>
+            </a:extLst>
+          </p:cNvPr>
+          <p:cNvSpPr>
+            <a:spLocks noGrp="1"/>
+          </p:cNvSpPr>
+          <p:nvPr>
+            <p:ph type="title"/>
+          </p:nvPr>
+        </p:nvSpPr>
+        <p:spPr/>
+        <p:txBody>
+          <a:bodyPr/>
+          <a:lstStyle/>
+          <a:p>
+            <a:r>
+              <a:rPr lang="en-GB" dirty="0"/>
+              <a:t>Content preparation </a:t>
+            </a:r>
+          </a:p>
+        </p:txBody>
+      </p:sp>
+      <p:sp>
+        <p:nvSpPr>
+          <p:cNvPr id="3" name="Content Placeholder 2">
+            <a:extLst>
+              <a:ext uri="{FF2B5EF4-FFF2-40B4-BE49-F238E27FC236}">
+                <a16:creationId xmlns:a16="http://schemas.microsoft.com/office/drawing/2014/main" id="{4CD146E3-3C6B-4D8C-BE61-55B01A3F6078}"/>
+              </a:ext>
+            </a:extLst>
+          </p:cNvPr>
+          <p:cNvSpPr>
+            <a:spLocks noGrp="1"/>
+          </p:cNvSpPr>
+          <p:nvPr>
+            <p:ph idx="1"/>
+          </p:nvPr>
+        </p:nvSpPr>
+        <p:spPr/>
+        <p:txBody>
+          <a:bodyPr/>
+          <a:lstStyle/>
+          <a:p>
+            <a:pPr marL="342900" indent="-342900">
+              <a:buFont typeface="Arial" panose="020B0604020202020204" pitchFamily="34" charset="0"/>
+              <a:buChar char="•"/>
+            </a:pPr>
+            <a:r>
+              <a:rPr lang="en-GB" dirty="0"/>
+              <a:t>Ensure DXC BVF and DE alignment is in place and industry templates are available to quick start agendas</a:t>
+            </a:r>
+          </a:p>
+          <a:p>
+            <a:pPr marL="342900" indent="-342900">
+              <a:buFont typeface="Arial" panose="020B0604020202020204" pitchFamily="34" charset="0"/>
+              <a:buChar char="•"/>
+            </a:pPr>
+            <a:r>
+              <a:rPr lang="en-GB" dirty="0"/>
+              <a:t>Ensure industry trends are on point </a:t>
+            </a:r>
+          </a:p>
+          <a:p>
+            <a:pPr marL="342900" lvl="1" indent="-342900">
+              <a:buFont typeface="Arial" panose="020B0604020202020204" pitchFamily="34" charset="0"/>
+              <a:buChar char="•"/>
+            </a:pPr>
+            <a:r>
+              <a:rPr lang="en-GB" dirty="0"/>
+              <a:t>i.e. Ensure key trends have detailed industry use cases</a:t>
+            </a:r>
+            <a:endParaRPr lang="en-GB" b="0" dirty="0"/>
+          </a:p>
+          <a:p>
+            <a:pPr marL="342900" indent="-342900">
+              <a:buFont typeface="Arial" panose="020B0604020202020204" pitchFamily="34" charset="0"/>
+              <a:buChar char="•"/>
+            </a:pPr>
+            <a:r>
+              <a:rPr lang="en-GB" b="0" dirty="0"/>
+              <a:t>industry KM’s already on board to review current content)</a:t>
+            </a:r>
+          </a:p>
+          <a:p>
+            <a:endParaRPr lang="en-GB" dirty="0"/>
+          </a:p>
+        </p:txBody>
+      </p:sp>
+    </p:spTree>
+    <p:extLst>
+      <p:ext uri="{BB962C8B-B14F-4D97-AF65-F5344CB8AC3E}">
+        <p14:creationId xmlns:p14="http://schemas.microsoft.com/office/powerpoint/2010/main" val="1959313582"/>
+      </p:ext>
+    </p:extLst>
+  </p:cSld>
+  <p:clrMapOvr>
+    <a:masterClrMapping/>
+  </p:clrMapOvr>
+  <mc:AlternateContent xmlns:mc="http://schemas.openxmlformats.org/markup-compatibility/2006" xmlns:p14="http://schemas.microsoft.com/office/powerpoint/2010/main">
+    <mc:Choice Requires="p14">
+      <p:transition spd="med" p14:dur="700">
+        <p:fade/>
+      </p:transition>
+    </mc:Choice>
+    <mc:Fallback xmlns="">
+      <p:transition spd="med">
+        <p:fade/>
+      </p:transition>
+    </mc:Fallback>
+  </mc:AlternateContent>
+</p:sld>
+</file>
+
+<file path=ppt/slides/slide8.xml><?xml version="1.0" encoding="utf-8"?>
 <p:sld xmlns:a="http://schemas.openxmlformats.org/drawingml/2006/main" xmlns:r="http://schemas.openxmlformats.org/officeDocument/2006/relationships" xmlns:p="http://schemas.openxmlformats.org/presentationml/2006/main">
   <p:cSld>
     <p:spTree>
